--- a/#1 Problem Definition & Modeling/Dynamic Graphs ppt.pptx
+++ b/#1 Problem Definition & Modeling/Dynamic Graphs ppt.pptx
@@ -254,7 +254,7 @@
           <a:p>
             <a:fld id="{BE0E05F9-B2CA-439B-8EFD-90F64485631B}" type="datetimeFigureOut">
               <a:rPr lang="ko-KR" altLang="en-US" smtClean="0"/>
-              <a:t>2018-09-13</a:t>
+              <a:t>2018-10-18</a:t>
             </a:fld>
             <a:endParaRPr lang="ko-KR" altLang="en-US"/>
           </a:p>
@@ -2094,7 +2094,7 @@
           <a:p>
             <a:fld id="{72FC2849-A083-443C-980D-B9A1D458CE60}" type="datetimeFigureOut">
               <a:rPr lang="ko-KR" altLang="en-US" smtClean="0"/>
-              <a:t>2018-09-13</a:t>
+              <a:t>2018-10-18</a:t>
             </a:fld>
             <a:endParaRPr lang="ko-KR" altLang="en-US"/>
           </a:p>
@@ -2262,7 +2262,7 @@
           <a:p>
             <a:fld id="{72FC2849-A083-443C-980D-B9A1D458CE60}" type="datetimeFigureOut">
               <a:rPr lang="ko-KR" altLang="en-US" smtClean="0"/>
-              <a:t>2018-09-13</a:t>
+              <a:t>2018-10-18</a:t>
             </a:fld>
             <a:endParaRPr lang="ko-KR" altLang="en-US"/>
           </a:p>
@@ -2440,7 +2440,7 @@
           <a:p>
             <a:fld id="{72FC2849-A083-443C-980D-B9A1D458CE60}" type="datetimeFigureOut">
               <a:rPr lang="ko-KR" altLang="en-US" smtClean="0"/>
-              <a:t>2018-09-13</a:t>
+              <a:t>2018-10-18</a:t>
             </a:fld>
             <a:endParaRPr lang="ko-KR" altLang="en-US"/>
           </a:p>
@@ -2608,7 +2608,7 @@
           <a:p>
             <a:fld id="{72FC2849-A083-443C-980D-B9A1D458CE60}" type="datetimeFigureOut">
               <a:rPr lang="ko-KR" altLang="en-US" smtClean="0"/>
-              <a:t>2018-09-13</a:t>
+              <a:t>2018-10-18</a:t>
             </a:fld>
             <a:endParaRPr lang="ko-KR" altLang="en-US"/>
           </a:p>
@@ -2853,7 +2853,7 @@
           <a:p>
             <a:fld id="{72FC2849-A083-443C-980D-B9A1D458CE60}" type="datetimeFigureOut">
               <a:rPr lang="ko-KR" altLang="en-US" smtClean="0"/>
-              <a:t>2018-09-13</a:t>
+              <a:t>2018-10-18</a:t>
             </a:fld>
             <a:endParaRPr lang="ko-KR" altLang="en-US"/>
           </a:p>
@@ -3138,7 +3138,7 @@
           <a:p>
             <a:fld id="{72FC2849-A083-443C-980D-B9A1D458CE60}" type="datetimeFigureOut">
               <a:rPr lang="ko-KR" altLang="en-US" smtClean="0"/>
-              <a:t>2018-09-13</a:t>
+              <a:t>2018-10-18</a:t>
             </a:fld>
             <a:endParaRPr lang="ko-KR" altLang="en-US"/>
           </a:p>
@@ -3557,7 +3557,7 @@
           <a:p>
             <a:fld id="{72FC2849-A083-443C-980D-B9A1D458CE60}" type="datetimeFigureOut">
               <a:rPr lang="ko-KR" altLang="en-US" smtClean="0"/>
-              <a:t>2018-09-13</a:t>
+              <a:t>2018-10-18</a:t>
             </a:fld>
             <a:endParaRPr lang="ko-KR" altLang="en-US"/>
           </a:p>
@@ -3674,7 +3674,7 @@
           <a:p>
             <a:fld id="{72FC2849-A083-443C-980D-B9A1D458CE60}" type="datetimeFigureOut">
               <a:rPr lang="ko-KR" altLang="en-US" smtClean="0"/>
-              <a:t>2018-09-13</a:t>
+              <a:t>2018-10-18</a:t>
             </a:fld>
             <a:endParaRPr lang="ko-KR" altLang="en-US"/>
           </a:p>
@@ -3769,7 +3769,7 @@
           <a:p>
             <a:fld id="{72FC2849-A083-443C-980D-B9A1D458CE60}" type="datetimeFigureOut">
               <a:rPr lang="ko-KR" altLang="en-US" smtClean="0"/>
-              <a:t>2018-09-13</a:t>
+              <a:t>2018-10-18</a:t>
             </a:fld>
             <a:endParaRPr lang="ko-KR" altLang="en-US"/>
           </a:p>
@@ -4044,7 +4044,7 @@
           <a:p>
             <a:fld id="{72FC2849-A083-443C-980D-B9A1D458CE60}" type="datetimeFigureOut">
               <a:rPr lang="ko-KR" altLang="en-US" smtClean="0"/>
-              <a:t>2018-09-13</a:t>
+              <a:t>2018-10-18</a:t>
             </a:fld>
             <a:endParaRPr lang="ko-KR" altLang="en-US"/>
           </a:p>
@@ -4296,7 +4296,7 @@
           <a:p>
             <a:fld id="{72FC2849-A083-443C-980D-B9A1D458CE60}" type="datetimeFigureOut">
               <a:rPr lang="ko-KR" altLang="en-US" smtClean="0"/>
-              <a:t>2018-09-13</a:t>
+              <a:t>2018-10-18</a:t>
             </a:fld>
             <a:endParaRPr lang="ko-KR" altLang="en-US"/>
           </a:p>
@@ -4507,7 +4507,7 @@
           <a:p>
             <a:fld id="{72FC2849-A083-443C-980D-B9A1D458CE60}" type="datetimeFigureOut">
               <a:rPr lang="ko-KR" altLang="en-US" smtClean="0"/>
-              <a:t>2018-09-13</a:t>
+              <a:t>2018-10-18</a:t>
             </a:fld>
             <a:endParaRPr lang="ko-KR" altLang="en-US"/>
           </a:p>
@@ -5197,6 +5197,75 @@
               <a:latin typeface="+mj-lt"/>
               <a:ea typeface="맑은 고딕" panose="020B0503020000020004" pitchFamily="50" charset="-127"/>
               <a:cs typeface="Ebrima" pitchFamily="2" charset="0"/>
+            </a:endParaRPr>
+          </a:p>
+        </p:txBody>
+      </p:sp>
+      <p:sp>
+        <p:nvSpPr>
+          <p:cNvPr id="9" name="TextBox 8">
+            <a:extLst>
+              <a:ext uri="{FF2B5EF4-FFF2-40B4-BE49-F238E27FC236}">
+                <a16:creationId xmlns:a16="http://schemas.microsoft.com/office/drawing/2014/main" id="{7AC7A7E7-3207-48A3-8076-426AB3EE436E}"/>
+              </a:ext>
+            </a:extLst>
+          </p:cNvPr>
+          <p:cNvSpPr txBox="1"/>
+          <p:nvPr/>
+        </p:nvSpPr>
+        <p:spPr>
+          <a:xfrm>
+            <a:off x="2151394" y="4424006"/>
+            <a:ext cx="4850606" cy="1195761"/>
+          </a:xfrm>
+          <a:prstGeom prst="rect">
+            <a:avLst/>
+          </a:prstGeom>
+          <a:noFill/>
+        </p:spPr>
+        <p:txBody>
+          <a:bodyPr wrap="square" rtlCol="0">
+            <a:spAutoFit/>
+            <a:scene3d>
+              <a:camera prst="perspectiveFront"/>
+              <a:lightRig rig="threePt" dir="t"/>
+            </a:scene3d>
+          </a:bodyPr>
+          <a:lstStyle/>
+          <a:p>
+            <a:pPr algn="ctr"/>
+            <a:r>
+              <a:rPr lang="ko-KR" altLang="en-US" sz="3600" dirty="0">
+                <a:solidFill>
+                  <a:srgbClr val="FF0000"/>
+                </a:solidFill>
+                <a:highlight>
+                  <a:srgbClr val="FFFF00"/>
+                </a:highlight>
+                <a:latin typeface="+mj-lt"/>
+              </a:rPr>
+              <a:t>슬라이드 노트에 상세 설명이 있습니다</a:t>
+            </a:r>
+            <a:r>
+              <a:rPr lang="en-US" altLang="ko-KR" sz="3600" dirty="0">
+                <a:solidFill>
+                  <a:srgbClr val="FF0000"/>
+                </a:solidFill>
+                <a:highlight>
+                  <a:srgbClr val="FFFF00"/>
+                </a:highlight>
+                <a:latin typeface="+mj-lt"/>
+              </a:rPr>
+              <a:t>!</a:t>
+            </a:r>
+            <a:endParaRPr lang="ko-KR" altLang="en-US" sz="3600" dirty="0">
+              <a:solidFill>
+                <a:srgbClr val="FF0000"/>
+              </a:solidFill>
+              <a:highlight>
+                <a:srgbClr val="FFFF00"/>
+              </a:highlight>
+              <a:latin typeface="+mj-lt"/>
             </a:endParaRPr>
           </a:p>
         </p:txBody>
